--- a/Energy Consumption Presentation.pptx
+++ b/Energy Consumption Presentation.pptx
@@ -15,7 +15,8 @@
     <p:sldId id="262" r:id="rId9"/>
     <p:sldId id="263" r:id="rId10"/>
     <p:sldId id="264" r:id="rId11"/>
-    <p:sldId id="265" r:id="rId12"/>
+    <p:sldId id="268" r:id="rId12"/>
+    <p:sldId id="265" r:id="rId13"/>
   </p:sldIdLst>
   <p:sldSz cx="12192000" cy="6858000"/>
   <p:notesSz cx="6858000" cy="9144000"/>
@@ -2969,7 +2970,7 @@
             <a:fld id="{B61BEF0D-F0BB-DE4B-95CE-6DB70DBA9567}" type="datetimeFigureOut">
               <a:rPr lang="en-US" dirty="0"/>
               <a:pPr/>
-              <a:t>1/3/21</a:t>
+              <a:t>1/5/21</a:t>
             </a:fld>
             <a:endParaRPr lang="en-US" dirty="0"/>
           </a:p>
@@ -3228,7 +3229,7 @@
             <a:fld id="{B61BEF0D-F0BB-DE4B-95CE-6DB70DBA9567}" type="datetimeFigureOut">
               <a:rPr lang="en-US" dirty="0"/>
               <a:pPr/>
-              <a:t>1/3/21</a:t>
+              <a:t>1/5/21</a:t>
             </a:fld>
             <a:endParaRPr lang="en-US" dirty="0"/>
           </a:p>
@@ -3460,7 +3461,7 @@
             <a:fld id="{B61BEF0D-F0BB-DE4B-95CE-6DB70DBA9567}" type="datetimeFigureOut">
               <a:rPr lang="en-US" dirty="0"/>
               <a:pPr/>
-              <a:t>1/3/21</a:t>
+              <a:t>1/5/21</a:t>
             </a:fld>
             <a:endParaRPr lang="en-US" dirty="0"/>
           </a:p>
@@ -3697,7 +3698,7 @@
             <a:fld id="{B61BEF0D-F0BB-DE4B-95CE-6DB70DBA9567}" type="datetimeFigureOut">
               <a:rPr lang="en-US" dirty="0"/>
               <a:pPr/>
-              <a:t>1/3/21</a:t>
+              <a:t>1/5/21</a:t>
             </a:fld>
             <a:endParaRPr lang="en-US" dirty="0"/>
           </a:p>
@@ -4001,7 +4002,7 @@
             <a:fld id="{B61BEF0D-F0BB-DE4B-95CE-6DB70DBA9567}" type="datetimeFigureOut">
               <a:rPr lang="en-US" dirty="0"/>
               <a:pPr/>
-              <a:t>1/3/21</a:t>
+              <a:t>1/5/21</a:t>
             </a:fld>
             <a:endParaRPr lang="en-US" dirty="0"/>
           </a:p>
@@ -4300,7 +4301,7 @@
             <a:fld id="{B61BEF0D-F0BB-DE4B-95CE-6DB70DBA9567}" type="datetimeFigureOut">
               <a:rPr lang="en-US" dirty="0"/>
               <a:pPr/>
-              <a:t>1/3/21</a:t>
+              <a:t>1/5/21</a:t>
             </a:fld>
             <a:endParaRPr lang="en-US" dirty="0"/>
           </a:p>
@@ -4719,7 +4720,7 @@
             <a:fld id="{B61BEF0D-F0BB-DE4B-95CE-6DB70DBA9567}" type="datetimeFigureOut">
               <a:rPr lang="en-US" dirty="0"/>
               <a:pPr/>
-              <a:t>1/3/21</a:t>
+              <a:t>1/5/21</a:t>
             </a:fld>
             <a:endParaRPr lang="en-US" dirty="0"/>
           </a:p>
@@ -4878,7 +4879,7 @@
             <a:fld id="{B61BEF0D-F0BB-DE4B-95CE-6DB70DBA9567}" type="datetimeFigureOut">
               <a:rPr lang="en-US" dirty="0"/>
               <a:pPr/>
-              <a:t>1/3/21</a:t>
+              <a:t>1/5/21</a:t>
             </a:fld>
             <a:endParaRPr lang="en-US" dirty="0"/>
           </a:p>
@@ -4970,7 +4971,7 @@
             <a:fld id="{B61BEF0D-F0BB-DE4B-95CE-6DB70DBA9567}" type="datetimeFigureOut">
               <a:rPr lang="en-US" dirty="0"/>
               <a:pPr/>
-              <a:t>1/3/21</a:t>
+              <a:t>1/5/21</a:t>
             </a:fld>
             <a:endParaRPr lang="en-US" dirty="0"/>
           </a:p>
@@ -5345,7 +5346,7 @@
             <a:fld id="{B61BEF0D-F0BB-DE4B-95CE-6DB70DBA9567}" type="datetimeFigureOut">
               <a:rPr lang="en-US" dirty="0"/>
               <a:pPr/>
-              <a:t>1/3/21</a:t>
+              <a:t>1/5/21</a:t>
             </a:fld>
             <a:endParaRPr lang="en-US" dirty="0"/>
           </a:p>
@@ -5631,7 +5632,7 @@
             <a:fld id="{B61BEF0D-F0BB-DE4B-95CE-6DB70DBA9567}" type="datetimeFigureOut">
               <a:rPr lang="en-US" dirty="0"/>
               <a:pPr/>
-              <a:t>1/3/21</a:t>
+              <a:t>1/5/21</a:t>
             </a:fld>
             <a:endParaRPr lang="en-US" dirty="0"/>
           </a:p>
@@ -5839,7 +5840,7 @@
             <a:fld id="{B61BEF0D-F0BB-DE4B-95CE-6DB70DBA9567}" type="datetimeFigureOut">
               <a:rPr lang="en-US" dirty="0"/>
               <a:pPr/>
-              <a:t>1/3/21</a:t>
+              <a:t>1/5/21</a:t>
             </a:fld>
             <a:endParaRPr lang="en-US" dirty="0"/>
           </a:p>
@@ -6610,7 +6611,7 @@
           <a:lstStyle/>
           <a:p>
             <a:r>
-              <a:rPr lang="en-IL">
+              <a:rPr lang="en-IL" dirty="0">
                 <a:solidFill>
                   <a:srgbClr val="FFFEFF"/>
                 </a:solidFill>
@@ -6665,6 +6666,258 @@
 </file>
 
 <file path=ppt/slides/slide11.xml><?xml version="1.0" encoding="utf-8"?>
+<p:sld xmlns:a="http://schemas.openxmlformats.org/drawingml/2006/main" xmlns:r="http://schemas.openxmlformats.org/officeDocument/2006/relationships" xmlns:p="http://schemas.openxmlformats.org/presentationml/2006/main">
+  <p:cSld>
+    <p:bg>
+      <p:bgPr>
+        <a:solidFill>
+          <a:schemeClr val="bg1"/>
+        </a:solidFill>
+        <a:effectLst/>
+      </p:bgPr>
+    </p:bg>
+    <p:spTree>
+      <p:nvGrpSpPr>
+        <p:cNvPr id="1" name=""/>
+        <p:cNvGrpSpPr/>
+        <p:nvPr/>
+      </p:nvGrpSpPr>
+      <p:grpSpPr>
+        <a:xfrm>
+          <a:off x="0" y="0"/>
+          <a:ext cx="0" cy="0"/>
+          <a:chOff x="0" y="0"/>
+          <a:chExt cx="0" cy="0"/>
+        </a:xfrm>
+      </p:grpSpPr>
+      <p:sp>
+        <p:nvSpPr>
+          <p:cNvPr id="2" name="Title 1">
+            <a:extLst>
+              <a:ext uri="{FF2B5EF4-FFF2-40B4-BE49-F238E27FC236}">
+                <a16:creationId xmlns:a16="http://schemas.microsoft.com/office/drawing/2014/main" id="{4B4773A9-33C0-3C4D-993B-1872A43A04F1}"/>
+              </a:ext>
+            </a:extLst>
+          </p:cNvPr>
+          <p:cNvSpPr>
+            <a:spLocks noGrp="1"/>
+          </p:cNvSpPr>
+          <p:nvPr>
+            <p:ph type="title"/>
+          </p:nvPr>
+        </p:nvSpPr>
+        <p:spPr>
+          <a:xfrm>
+            <a:off x="581192" y="702156"/>
+            <a:ext cx="11029616" cy="1013800"/>
+          </a:xfrm>
+        </p:spPr>
+        <p:txBody>
+          <a:bodyPr>
+            <a:normAutofit/>
+          </a:bodyPr>
+          <a:lstStyle/>
+          <a:p>
+            <a:r>
+              <a:rPr lang="en-IL">
+                <a:solidFill>
+                  <a:srgbClr val="FFFFFF"/>
+                </a:solidFill>
+              </a:rPr>
+              <a:t>Trying neural network</a:t>
+            </a:r>
+          </a:p>
+        </p:txBody>
+      </p:sp>
+      <p:sp useBgFill="1">
+        <p:nvSpPr>
+          <p:cNvPr id="17" name="Rectangle 10">
+            <a:extLst>
+              <a:ext uri="{FF2B5EF4-FFF2-40B4-BE49-F238E27FC236}">
+                <a16:creationId xmlns:a16="http://schemas.microsoft.com/office/drawing/2014/main" id="{9E661D03-4DD4-45E7-A047-ED722E826D59}"/>
+              </a:ext>
+              <a:ext uri="{C183D7F6-B498-43B3-948B-1728B52AA6E4}">
+                <adec:decorative xmlns:adec="http://schemas.microsoft.com/office/drawing/2017/decorative" val="1"/>
+              </a:ext>
+            </a:extLst>
+          </p:cNvPr>
+          <p:cNvSpPr>
+            <a:spLocks noGrp="1" noRot="1" noChangeAspect="1" noMove="1" noResize="1" noEditPoints="1" noAdjustHandles="1" noChangeArrowheads="1" noChangeShapeType="1" noTextEdit="1"/>
+          </p:cNvSpPr>
+          <p:nvPr>
+            <p:extLst>
+              <p:ext uri="{386F3935-93C4-4BCD-93E2-E3B085C9AB24}">
+                <p16:designElem xmlns:p16="http://schemas.microsoft.com/office/powerpoint/2015/main" val="1"/>
+              </p:ext>
+            </p:extLst>
+          </p:nvPr>
+        </p:nvSpPr>
+        <p:spPr>
+          <a:xfrm>
+            <a:off x="446533" y="2180496"/>
+            <a:ext cx="5404639" cy="4045683"/>
+          </a:xfrm>
+          <a:prstGeom prst="rect">
+            <a:avLst/>
+          </a:prstGeom>
+          <a:ln w="38100">
+            <a:solidFill>
+              <a:schemeClr val="accent1"/>
+            </a:solidFill>
+          </a:ln>
+        </p:spPr>
+        <p:style>
+          <a:lnRef idx="2">
+            <a:schemeClr val="accent1">
+              <a:shade val="50000"/>
+            </a:schemeClr>
+          </a:lnRef>
+          <a:fillRef idx="1">
+            <a:schemeClr val="accent1"/>
+          </a:fillRef>
+          <a:effectRef idx="0">
+            <a:schemeClr val="accent1"/>
+          </a:effectRef>
+          <a:fontRef idx="minor">
+            <a:schemeClr val="lt1"/>
+          </a:fontRef>
+        </p:style>
+        <p:txBody>
+          <a:bodyPr rtlCol="0" anchor="ctr"/>
+          <a:lstStyle/>
+          <a:p>
+            <a:pPr algn="ctr"/>
+            <a:endParaRPr lang="en-US"/>
+          </a:p>
+        </p:txBody>
+      </p:sp>
+      <p:pic>
+        <p:nvPicPr>
+          <p:cNvPr id="8" name="Graphic 7" descr="Brain">
+            <a:extLst>
+              <a:ext uri="{FF2B5EF4-FFF2-40B4-BE49-F238E27FC236}">
+                <a16:creationId xmlns:a16="http://schemas.microsoft.com/office/drawing/2014/main" id="{56F2A956-D5BF-46C4-AF28-361A2271E82D}"/>
+              </a:ext>
+            </a:extLst>
+          </p:cNvPr>
+          <p:cNvPicPr>
+            <a:picLocks noChangeAspect="1"/>
+          </p:cNvPicPr>
+          <p:nvPr/>
+        </p:nvPicPr>
+        <p:blipFill>
+          <a:blip r:embed="rId2">
+            <a:extLst>
+              <a:ext uri="{28A0092B-C50C-407E-A947-70E740481C1C}">
+                <a14:useLocalDpi xmlns:a14="http://schemas.microsoft.com/office/drawing/2010/main" val="0"/>
+              </a:ext>
+              <a:ext uri="{96DAC541-7B7A-43D3-8B79-37D633B846F1}">
+                <asvg:svgBlip xmlns:asvg="http://schemas.microsoft.com/office/drawing/2016/SVG/main" r:embed="rId3"/>
+              </a:ext>
+            </a:extLst>
+          </a:blip>
+          <a:stretch>
+            <a:fillRect/>
+          </a:stretch>
+        </p:blipFill>
+        <p:spPr>
+          <a:xfrm>
+            <a:off x="1313878" y="2361056"/>
+            <a:ext cx="3649219" cy="3649219"/>
+          </a:xfrm>
+          <a:prstGeom prst="rect">
+            <a:avLst/>
+          </a:prstGeom>
+        </p:spPr>
+      </p:pic>
+      <p:sp>
+        <p:nvSpPr>
+          <p:cNvPr id="4" name="Content Placeholder 3">
+            <a:extLst>
+              <a:ext uri="{FF2B5EF4-FFF2-40B4-BE49-F238E27FC236}">
+                <a16:creationId xmlns:a16="http://schemas.microsoft.com/office/drawing/2014/main" id="{C86AA8BF-EA89-D84E-97FC-F6B85C8804F8}"/>
+              </a:ext>
+            </a:extLst>
+          </p:cNvPr>
+          <p:cNvSpPr>
+            <a:spLocks noGrp="1"/>
+          </p:cNvSpPr>
+          <p:nvPr>
+            <p:ph idx="1"/>
+          </p:nvPr>
+        </p:nvSpPr>
+        <p:spPr>
+          <a:xfrm>
+            <a:off x="6335805" y="2180496"/>
+            <a:ext cx="5275001" cy="4045683"/>
+          </a:xfrm>
+        </p:spPr>
+        <p:txBody>
+          <a:bodyPr>
+            <a:normAutofit/>
+          </a:bodyPr>
+          <a:lstStyle/>
+          <a:p>
+            <a:r>
+              <a:rPr lang="en-IL" dirty="0"/>
+              <a:t>Neural Network </a:t>
+            </a:r>
+            <a:r>
+              <a:rPr lang="en-US" dirty="0"/>
+              <a:t>MLP Regressor 	RMSE: </a:t>
+            </a:r>
+            <a:r>
+              <a:rPr lang="en-US" b="1" dirty="0"/>
+              <a:t>15,015</a:t>
+            </a:r>
+            <a:endParaRPr lang="en-US" dirty="0"/>
+          </a:p>
+          <a:p>
+            <a:r>
+              <a:rPr lang="en-US" dirty="0"/>
+              <a:t>Best parameters:  </a:t>
+            </a:r>
+            <a:r>
+              <a:rPr lang="en-US" sz="1100" dirty="0">
+                <a:latin typeface="Andale Mono" panose="020B0509000000000004" pitchFamily="49" charset="0"/>
+              </a:rPr>
+              <a:t>activation='logistic’, alpha=0.1, </a:t>
+            </a:r>
+            <a:r>
+              <a:rPr lang="en-US" sz="1100" dirty="0" err="1">
+                <a:latin typeface="Andale Mono" panose="020B0509000000000004" pitchFamily="49" charset="0"/>
+              </a:rPr>
+              <a:t>hidden_layer_sizes</a:t>
+            </a:r>
+            <a:r>
+              <a:rPr lang="en-US" sz="1100" dirty="0">
+                <a:latin typeface="Andale Mono" panose="020B0509000000000004" pitchFamily="49" charset="0"/>
+              </a:rPr>
+              <a:t>=300</a:t>
+            </a:r>
+            <a:endParaRPr lang="en-IL" sz="1100" dirty="0">
+              <a:latin typeface="Andale Mono" panose="020B0509000000000004" pitchFamily="49" charset="0"/>
+            </a:endParaRPr>
+          </a:p>
+          <a:p>
+            <a:endParaRPr lang="en-IL" dirty="0"/>
+          </a:p>
+        </p:txBody>
+      </p:sp>
+    </p:spTree>
+    <p:extLst>
+      <p:ext uri="{BB962C8B-B14F-4D97-AF65-F5344CB8AC3E}">
+        <p14:creationId xmlns:p14="http://schemas.microsoft.com/office/powerpoint/2010/main" val="711816613"/>
+      </p:ext>
+    </p:extLst>
+  </p:cSld>
+  <p:clrMapOvr>
+    <a:masterClrMapping/>
+  </p:clrMapOvr>
+</p:sld>
+</file>
+
+<file path=ppt/slides/slide12.xml><?xml version="1.0" encoding="utf-8"?>
 <p:sld xmlns:a="http://schemas.openxmlformats.org/drawingml/2006/main" xmlns:r="http://schemas.openxmlformats.org/officeDocument/2006/relationships" xmlns:p="http://schemas.openxmlformats.org/presentationml/2006/main">
   <p:cSld>
     <p:bg>
@@ -11409,7 +11662,7 @@
         <p:spPr>
           <a:xfrm>
             <a:off x="4519258" y="1671874"/>
-            <a:ext cx="6790577" cy="3077766"/>
+            <a:ext cx="7312258" cy="3216265"/>
           </a:xfrm>
           <a:prstGeom prst="rect">
             <a:avLst/>
@@ -11534,47 +11787,125 @@
                   </a:schemeClr>
                 </a:solidFill>
               </a:rPr>
-              <a:t>Best parameters: alpha: 0.3981, degree: 9</a:t>
-            </a:r>
-            <a:endParaRPr lang="en-US" sz="1600" dirty="0">
-              <a:solidFill>
-                <a:schemeClr val="accent2">
-                  <a:lumMod val="50000"/>
-                </a:schemeClr>
-              </a:solidFill>
-            </a:endParaRPr>
-          </a:p>
-          <a:p>
-            <a:pPr marL="285750" indent="-285750">
-              <a:buFont typeface="Arial" panose="020B0604020202020204" pitchFamily="34" charset="0"/>
-              <a:buChar char="•"/>
+              <a:t>Best parameters: 	</a:t>
+            </a:r>
+            <a:r>
+              <a:rPr lang="en-IL" sz="1200" dirty="0">
+                <a:solidFill>
+                  <a:schemeClr val="accent2">
+                    <a:lumMod val="50000"/>
+                  </a:schemeClr>
+                </a:solidFill>
+                <a:latin typeface="Andale Mono" panose="020B0509000000000004" pitchFamily="49" charset="0"/>
+              </a:rPr>
+              <a:t>alpha: 0.3981, degree: 9</a:t>
+            </a:r>
+          </a:p>
+          <a:p>
+            <a:pPr marL="322650" indent="-306000">
+              <a:lnSpc>
+                <a:spcPct val="150000"/>
+              </a:lnSpc>
+              <a:spcBef>
+                <a:spcPct val="20000"/>
+              </a:spcBef>
+              <a:spcAft>
+                <a:spcPts val="600"/>
+              </a:spcAft>
+              <a:buClr>
+                <a:schemeClr val="accent2"/>
+              </a:buClr>
+              <a:buSzPct val="92000"/>
+              <a:buFont typeface="Wingdings 2" panose="05020102010507070707" pitchFamily="18" charset="2"/>
+              <a:buChar char=""/>
             </a:pPr>
+            <a:r>
+              <a:rPr lang="en-IL" sz="2000" dirty="0">
+                <a:solidFill>
+                  <a:schemeClr val="accent2">
+                    <a:lumMod val="50000"/>
+                  </a:schemeClr>
+                </a:solidFill>
+              </a:rPr>
+              <a:t>Neural Network </a:t>
+            </a:r>
+            <a:r>
+              <a:rPr lang="en-US" sz="2000" dirty="0">
+                <a:solidFill>
+                  <a:schemeClr val="accent2">
+                    <a:lumMod val="50000"/>
+                  </a:schemeClr>
+                </a:solidFill>
+              </a:rPr>
+              <a:t>MLP Regressor	RMSE: </a:t>
+            </a:r>
+            <a:r>
+              <a:rPr lang="en-US" sz="2000" b="1" dirty="0">
+                <a:solidFill>
+                  <a:schemeClr val="accent2">
+                    <a:lumMod val="50000"/>
+                  </a:schemeClr>
+                </a:solidFill>
+              </a:rPr>
+              <a:t>15,015</a:t>
+            </a:r>
+            <a:br>
+              <a:rPr lang="en-US" sz="2000" dirty="0">
+                <a:solidFill>
+                  <a:schemeClr val="accent2">
+                    <a:lumMod val="50000"/>
+                  </a:schemeClr>
+                </a:solidFill>
+              </a:rPr>
+            </a:br>
+            <a:r>
+              <a:rPr lang="en-US" sz="1600" dirty="0">
+                <a:solidFill>
+                  <a:schemeClr val="accent2">
+                    <a:lumMod val="50000"/>
+                  </a:schemeClr>
+                </a:solidFill>
+              </a:rPr>
+              <a:t>Best parameters:  </a:t>
+            </a:r>
+            <a:r>
+              <a:rPr lang="en-US" sz="1200" dirty="0">
+                <a:solidFill>
+                  <a:schemeClr val="accent2">
+                    <a:lumMod val="50000"/>
+                  </a:schemeClr>
+                </a:solidFill>
+                <a:latin typeface="Andale Mono" panose="020B0509000000000004" pitchFamily="49" charset="0"/>
+              </a:rPr>
+              <a:t>activation='logistic’, alpha=0.1, </a:t>
+            </a:r>
+            <a:r>
+              <a:rPr lang="en-US" sz="1200" dirty="0" err="1">
+                <a:solidFill>
+                  <a:schemeClr val="accent2">
+                    <a:lumMod val="50000"/>
+                  </a:schemeClr>
+                </a:solidFill>
+                <a:latin typeface="Andale Mono" panose="020B0509000000000004" pitchFamily="49" charset="0"/>
+              </a:rPr>
+              <a:t>hidden_layer_sizes</a:t>
+            </a:r>
+            <a:r>
+              <a:rPr lang="en-US" sz="1200" dirty="0">
+                <a:solidFill>
+                  <a:schemeClr val="accent2">
+                    <a:lumMod val="50000"/>
+                  </a:schemeClr>
+                </a:solidFill>
+                <a:latin typeface="Andale Mono" panose="020B0509000000000004" pitchFamily="49" charset="0"/>
+              </a:rPr>
+              <a:t>=300</a:t>
+            </a:r>
             <a:endParaRPr lang="en-IL" dirty="0">
               <a:solidFill>
                 <a:schemeClr val="accent1"/>
               </a:solidFill>
-            </a:endParaRPr>
-          </a:p>
-          <a:p>
-            <a:pPr marL="285750" indent="-285750">
-              <a:buFont typeface="Arial" panose="020B0604020202020204" pitchFamily="34" charset="0"/>
-              <a:buChar char="•"/>
-            </a:pPr>
-            <a:endParaRPr lang="en-US" dirty="0">
-              <a:solidFill>
-                <a:schemeClr val="accent1"/>
-              </a:solidFill>
-            </a:endParaRPr>
-          </a:p>
-          <a:p>
-            <a:pPr marL="285750" indent="-285750">
-              <a:buFont typeface="Arial" panose="020B0604020202020204" pitchFamily="34" charset="0"/>
-              <a:buChar char="•"/>
-            </a:pPr>
-            <a:endParaRPr lang="en-IL" dirty="0">
-              <a:solidFill>
-                <a:schemeClr val="accent1"/>
-              </a:solidFill>
+              <a:latin typeface="Andale Mono" panose="020B0509000000000004" pitchFamily="49" charset="0"/>
             </a:endParaRPr>
           </a:p>
           <a:p>

--- a/Energy Consumption Presentation.pptx
+++ b/Energy Consumption Presentation.pptx
@@ -2970,7 +2970,7 @@
             <a:fld id="{B61BEF0D-F0BB-DE4B-95CE-6DB70DBA9567}" type="datetimeFigureOut">
               <a:rPr lang="en-US" dirty="0"/>
               <a:pPr/>
-              <a:t>1/5/21</a:t>
+              <a:t>1/11/21</a:t>
             </a:fld>
             <a:endParaRPr lang="en-US" dirty="0"/>
           </a:p>
@@ -3229,7 +3229,7 @@
             <a:fld id="{B61BEF0D-F0BB-DE4B-95CE-6DB70DBA9567}" type="datetimeFigureOut">
               <a:rPr lang="en-US" dirty="0"/>
               <a:pPr/>
-              <a:t>1/5/21</a:t>
+              <a:t>1/11/21</a:t>
             </a:fld>
             <a:endParaRPr lang="en-US" dirty="0"/>
           </a:p>
@@ -3461,7 +3461,7 @@
             <a:fld id="{B61BEF0D-F0BB-DE4B-95CE-6DB70DBA9567}" type="datetimeFigureOut">
               <a:rPr lang="en-US" dirty="0"/>
               <a:pPr/>
-              <a:t>1/5/21</a:t>
+              <a:t>1/11/21</a:t>
             </a:fld>
             <a:endParaRPr lang="en-US" dirty="0"/>
           </a:p>
@@ -3698,7 +3698,7 @@
             <a:fld id="{B61BEF0D-F0BB-DE4B-95CE-6DB70DBA9567}" type="datetimeFigureOut">
               <a:rPr lang="en-US" dirty="0"/>
               <a:pPr/>
-              <a:t>1/5/21</a:t>
+              <a:t>1/11/21</a:t>
             </a:fld>
             <a:endParaRPr lang="en-US" dirty="0"/>
           </a:p>
@@ -4002,7 +4002,7 @@
             <a:fld id="{B61BEF0D-F0BB-DE4B-95CE-6DB70DBA9567}" type="datetimeFigureOut">
               <a:rPr lang="en-US" dirty="0"/>
               <a:pPr/>
-              <a:t>1/5/21</a:t>
+              <a:t>1/11/21</a:t>
             </a:fld>
             <a:endParaRPr lang="en-US" dirty="0"/>
           </a:p>
@@ -4301,7 +4301,7 @@
             <a:fld id="{B61BEF0D-F0BB-DE4B-95CE-6DB70DBA9567}" type="datetimeFigureOut">
               <a:rPr lang="en-US" dirty="0"/>
               <a:pPr/>
-              <a:t>1/5/21</a:t>
+              <a:t>1/11/21</a:t>
             </a:fld>
             <a:endParaRPr lang="en-US" dirty="0"/>
           </a:p>
@@ -4720,7 +4720,7 @@
             <a:fld id="{B61BEF0D-F0BB-DE4B-95CE-6DB70DBA9567}" type="datetimeFigureOut">
               <a:rPr lang="en-US" dirty="0"/>
               <a:pPr/>
-              <a:t>1/5/21</a:t>
+              <a:t>1/11/21</a:t>
             </a:fld>
             <a:endParaRPr lang="en-US" dirty="0"/>
           </a:p>
@@ -4879,7 +4879,7 @@
             <a:fld id="{B61BEF0D-F0BB-DE4B-95CE-6DB70DBA9567}" type="datetimeFigureOut">
               <a:rPr lang="en-US" dirty="0"/>
               <a:pPr/>
-              <a:t>1/5/21</a:t>
+              <a:t>1/11/21</a:t>
             </a:fld>
             <a:endParaRPr lang="en-US" dirty="0"/>
           </a:p>
@@ -4971,7 +4971,7 @@
             <a:fld id="{B61BEF0D-F0BB-DE4B-95CE-6DB70DBA9567}" type="datetimeFigureOut">
               <a:rPr lang="en-US" dirty="0"/>
               <a:pPr/>
-              <a:t>1/5/21</a:t>
+              <a:t>1/11/21</a:t>
             </a:fld>
             <a:endParaRPr lang="en-US" dirty="0"/>
           </a:p>
@@ -5346,7 +5346,7 @@
             <a:fld id="{B61BEF0D-F0BB-DE4B-95CE-6DB70DBA9567}" type="datetimeFigureOut">
               <a:rPr lang="en-US" dirty="0"/>
               <a:pPr/>
-              <a:t>1/5/21</a:t>
+              <a:t>1/11/21</a:t>
             </a:fld>
             <a:endParaRPr lang="en-US" dirty="0"/>
           </a:p>
@@ -5632,7 +5632,7 @@
             <a:fld id="{B61BEF0D-F0BB-DE4B-95CE-6DB70DBA9567}" type="datetimeFigureOut">
               <a:rPr lang="en-US" dirty="0"/>
               <a:pPr/>
-              <a:t>1/5/21</a:t>
+              <a:t>1/11/21</a:t>
             </a:fld>
             <a:endParaRPr lang="en-US" dirty="0"/>
           </a:p>
@@ -5840,7 +5840,7 @@
             <a:fld id="{B61BEF0D-F0BB-DE4B-95CE-6DB70DBA9567}" type="datetimeFigureOut">
               <a:rPr lang="en-US" dirty="0"/>
               <a:pPr/>
-              <a:t>1/5/21</a:t>
+              <a:t>1/11/21</a:t>
             </a:fld>
             <a:endParaRPr lang="en-US" dirty="0"/>
           </a:p>
@@ -11662,7 +11662,7 @@
         <p:spPr>
           <a:xfrm>
             <a:off x="4519258" y="1671874"/>
-            <a:ext cx="7312258" cy="3216265"/>
+            <a:ext cx="6790577" cy="1849417"/>
           </a:xfrm>
           <a:prstGeom prst="rect">
             <a:avLst/>
@@ -11800,124 +11800,6 @@
               </a:rPr>
               <a:t>alpha: 0.3981, degree: 9</a:t>
             </a:r>
-          </a:p>
-          <a:p>
-            <a:pPr marL="322650" indent="-306000">
-              <a:lnSpc>
-                <a:spcPct val="150000"/>
-              </a:lnSpc>
-              <a:spcBef>
-                <a:spcPct val="20000"/>
-              </a:spcBef>
-              <a:spcAft>
-                <a:spcPts val="600"/>
-              </a:spcAft>
-              <a:buClr>
-                <a:schemeClr val="accent2"/>
-              </a:buClr>
-              <a:buSzPct val="92000"/>
-              <a:buFont typeface="Wingdings 2" panose="05020102010507070707" pitchFamily="18" charset="2"/>
-              <a:buChar char=""/>
-            </a:pPr>
-            <a:r>
-              <a:rPr lang="en-IL" sz="2000" dirty="0">
-                <a:solidFill>
-                  <a:schemeClr val="accent2">
-                    <a:lumMod val="50000"/>
-                  </a:schemeClr>
-                </a:solidFill>
-              </a:rPr>
-              <a:t>Neural Network </a:t>
-            </a:r>
-            <a:r>
-              <a:rPr lang="en-US" sz="2000" dirty="0">
-                <a:solidFill>
-                  <a:schemeClr val="accent2">
-                    <a:lumMod val="50000"/>
-                  </a:schemeClr>
-                </a:solidFill>
-              </a:rPr>
-              <a:t>MLP Regressor	RMSE: </a:t>
-            </a:r>
-            <a:r>
-              <a:rPr lang="en-US" sz="2000" b="1" dirty="0">
-                <a:solidFill>
-                  <a:schemeClr val="accent2">
-                    <a:lumMod val="50000"/>
-                  </a:schemeClr>
-                </a:solidFill>
-              </a:rPr>
-              <a:t>15,015</a:t>
-            </a:r>
-            <a:br>
-              <a:rPr lang="en-US" sz="2000" dirty="0">
-                <a:solidFill>
-                  <a:schemeClr val="accent2">
-                    <a:lumMod val="50000"/>
-                  </a:schemeClr>
-                </a:solidFill>
-              </a:rPr>
-            </a:br>
-            <a:r>
-              <a:rPr lang="en-US" sz="1600" dirty="0">
-                <a:solidFill>
-                  <a:schemeClr val="accent2">
-                    <a:lumMod val="50000"/>
-                  </a:schemeClr>
-                </a:solidFill>
-              </a:rPr>
-              <a:t>Best parameters:  </a:t>
-            </a:r>
-            <a:r>
-              <a:rPr lang="en-US" sz="1200" dirty="0">
-                <a:solidFill>
-                  <a:schemeClr val="accent2">
-                    <a:lumMod val="50000"/>
-                  </a:schemeClr>
-                </a:solidFill>
-                <a:latin typeface="Andale Mono" panose="020B0509000000000004" pitchFamily="49" charset="0"/>
-              </a:rPr>
-              <a:t>activation='logistic’, alpha=0.1, </a:t>
-            </a:r>
-            <a:r>
-              <a:rPr lang="en-US" sz="1200" dirty="0" err="1">
-                <a:solidFill>
-                  <a:schemeClr val="accent2">
-                    <a:lumMod val="50000"/>
-                  </a:schemeClr>
-                </a:solidFill>
-                <a:latin typeface="Andale Mono" panose="020B0509000000000004" pitchFamily="49" charset="0"/>
-              </a:rPr>
-              <a:t>hidden_layer_sizes</a:t>
-            </a:r>
-            <a:r>
-              <a:rPr lang="en-US" sz="1200" dirty="0">
-                <a:solidFill>
-                  <a:schemeClr val="accent2">
-                    <a:lumMod val="50000"/>
-                  </a:schemeClr>
-                </a:solidFill>
-                <a:latin typeface="Andale Mono" panose="020B0509000000000004" pitchFamily="49" charset="0"/>
-              </a:rPr>
-              <a:t>=300</a:t>
-            </a:r>
-            <a:endParaRPr lang="en-IL" dirty="0">
-              <a:solidFill>
-                <a:schemeClr val="accent1"/>
-              </a:solidFill>
-              <a:latin typeface="Andale Mono" panose="020B0509000000000004" pitchFamily="49" charset="0"/>
-            </a:endParaRPr>
-          </a:p>
-          <a:p>
-            <a:pPr marL="285750" indent="-285750">
-              <a:buFont typeface="Arial" panose="020B0604020202020204" pitchFamily="34" charset="0"/>
-              <a:buChar char="•"/>
-            </a:pPr>
-            <a:endParaRPr lang="en-IL" dirty="0">
-              <a:solidFill>
-                <a:schemeClr val="accent1"/>
-              </a:solidFill>
-            </a:endParaRPr>
           </a:p>
         </p:txBody>
       </p:sp>

--- a/Energy Consumption Presentation.pptx
+++ b/Energy Consumption Presentation.pptx
@@ -8635,12 +8635,12 @@
           <a:lstStyle/>
           <a:p>
             <a:r>
-              <a:rPr lang="en-US">
+              <a:rPr lang="en-US" dirty="0">
                 <a:solidFill>
                   <a:srgbClr val="FFFFFF"/>
                 </a:solidFill>
               </a:rPr>
-              <a:t>Visualizations</a:t>
+              <a:t>Exploratory Data Analysis</a:t>
             </a:r>
           </a:p>
         </p:txBody>
@@ -9338,12 +9338,12 @@
           <a:lstStyle/>
           <a:p>
             <a:r>
-              <a:rPr lang="en-US" sz="2400">
+              <a:rPr lang="en-US" sz="2400" dirty="0">
                 <a:solidFill>
                   <a:srgbClr val="FFFFFF"/>
                 </a:solidFill>
               </a:rPr>
-              <a:t>Visualizations (cont.)</a:t>
+              <a:t>Exploratory Data Analysis (cont.)</a:t>
             </a:r>
           </a:p>
         </p:txBody>

--- a/Energy Consumption Presentation.pptx
+++ b/Energy Consumption Presentation.pptx
@@ -2970,7 +2970,7 @@
             <a:fld id="{B61BEF0D-F0BB-DE4B-95CE-6DB70DBA9567}" type="datetimeFigureOut">
               <a:rPr lang="en-US" dirty="0"/>
               <a:pPr/>
-              <a:t>1/11/21</a:t>
+              <a:t>1/12/21</a:t>
             </a:fld>
             <a:endParaRPr lang="en-US" dirty="0"/>
           </a:p>
@@ -3229,7 +3229,7 @@
             <a:fld id="{B61BEF0D-F0BB-DE4B-95CE-6DB70DBA9567}" type="datetimeFigureOut">
               <a:rPr lang="en-US" dirty="0"/>
               <a:pPr/>
-              <a:t>1/11/21</a:t>
+              <a:t>1/12/21</a:t>
             </a:fld>
             <a:endParaRPr lang="en-US" dirty="0"/>
           </a:p>
@@ -3461,7 +3461,7 @@
             <a:fld id="{B61BEF0D-F0BB-DE4B-95CE-6DB70DBA9567}" type="datetimeFigureOut">
               <a:rPr lang="en-US" dirty="0"/>
               <a:pPr/>
-              <a:t>1/11/21</a:t>
+              <a:t>1/12/21</a:t>
             </a:fld>
             <a:endParaRPr lang="en-US" dirty="0"/>
           </a:p>
@@ -3698,7 +3698,7 @@
             <a:fld id="{B61BEF0D-F0BB-DE4B-95CE-6DB70DBA9567}" type="datetimeFigureOut">
               <a:rPr lang="en-US" dirty="0"/>
               <a:pPr/>
-              <a:t>1/11/21</a:t>
+              <a:t>1/12/21</a:t>
             </a:fld>
             <a:endParaRPr lang="en-US" dirty="0"/>
           </a:p>
@@ -4002,7 +4002,7 @@
             <a:fld id="{B61BEF0D-F0BB-DE4B-95CE-6DB70DBA9567}" type="datetimeFigureOut">
               <a:rPr lang="en-US" dirty="0"/>
               <a:pPr/>
-              <a:t>1/11/21</a:t>
+              <a:t>1/12/21</a:t>
             </a:fld>
             <a:endParaRPr lang="en-US" dirty="0"/>
           </a:p>
@@ -4301,7 +4301,7 @@
             <a:fld id="{B61BEF0D-F0BB-DE4B-95CE-6DB70DBA9567}" type="datetimeFigureOut">
               <a:rPr lang="en-US" dirty="0"/>
               <a:pPr/>
-              <a:t>1/11/21</a:t>
+              <a:t>1/12/21</a:t>
             </a:fld>
             <a:endParaRPr lang="en-US" dirty="0"/>
           </a:p>
@@ -4720,7 +4720,7 @@
             <a:fld id="{B61BEF0D-F0BB-DE4B-95CE-6DB70DBA9567}" type="datetimeFigureOut">
               <a:rPr lang="en-US" dirty="0"/>
               <a:pPr/>
-              <a:t>1/11/21</a:t>
+              <a:t>1/12/21</a:t>
             </a:fld>
             <a:endParaRPr lang="en-US" dirty="0"/>
           </a:p>
@@ -4879,7 +4879,7 @@
             <a:fld id="{B61BEF0D-F0BB-DE4B-95CE-6DB70DBA9567}" type="datetimeFigureOut">
               <a:rPr lang="en-US" dirty="0"/>
               <a:pPr/>
-              <a:t>1/11/21</a:t>
+              <a:t>1/12/21</a:t>
             </a:fld>
             <a:endParaRPr lang="en-US" dirty="0"/>
           </a:p>
@@ -4971,7 +4971,7 @@
             <a:fld id="{B61BEF0D-F0BB-DE4B-95CE-6DB70DBA9567}" type="datetimeFigureOut">
               <a:rPr lang="en-US" dirty="0"/>
               <a:pPr/>
-              <a:t>1/11/21</a:t>
+              <a:t>1/12/21</a:t>
             </a:fld>
             <a:endParaRPr lang="en-US" dirty="0"/>
           </a:p>
@@ -5346,7 +5346,7 @@
             <a:fld id="{B61BEF0D-F0BB-DE4B-95CE-6DB70DBA9567}" type="datetimeFigureOut">
               <a:rPr lang="en-US" dirty="0"/>
               <a:pPr/>
-              <a:t>1/11/21</a:t>
+              <a:t>1/12/21</a:t>
             </a:fld>
             <a:endParaRPr lang="en-US" dirty="0"/>
           </a:p>
@@ -5632,7 +5632,7 @@
             <a:fld id="{B61BEF0D-F0BB-DE4B-95CE-6DB70DBA9567}" type="datetimeFigureOut">
               <a:rPr lang="en-US" dirty="0"/>
               <a:pPr/>
-              <a:t>1/11/21</a:t>
+              <a:t>1/12/21</a:t>
             </a:fld>
             <a:endParaRPr lang="en-US" dirty="0"/>
           </a:p>
@@ -5840,7 +5840,7 @@
             <a:fld id="{B61BEF0D-F0BB-DE4B-95CE-6DB70DBA9567}" type="datetimeFigureOut">
               <a:rPr lang="en-US" dirty="0"/>
               <a:pPr/>
-              <a:t>1/11/21</a:t>
+              <a:t>1/12/21</a:t>
             </a:fld>
             <a:endParaRPr lang="en-US" dirty="0"/>
           </a:p>
@@ -10456,38 +10456,15 @@
                   </a:schemeClr>
                 </a:solidFill>
               </a:rPr>
-              <a:t>Polynomial transformation </a:t>
-            </a:r>
-            <a:r>
-              <a:rPr lang="en-US" sz="2000" dirty="0">
-                <a:solidFill>
-                  <a:schemeClr val="accent2">
-                    <a:lumMod val="50000"/>
-                  </a:schemeClr>
-                </a:solidFill>
-              </a:rPr>
-              <a:t>- </a:t>
-            </a:r>
-            <a:r>
-              <a:rPr lang="en-IL" sz="2000" dirty="0">
-                <a:solidFill>
-                  <a:schemeClr val="accent2">
-                    <a:lumMod val="50000"/>
-                  </a:schemeClr>
-                </a:solidFill>
-              </a:rPr>
-              <a:t>there is clearly a </a:t>
-            </a:r>
-            <a:r>
-              <a:rPr lang="en-US" sz="2000" dirty="0">
-                <a:solidFill>
-                  <a:schemeClr val="accent2">
-                    <a:lumMod val="50000"/>
-                  </a:schemeClr>
-                </a:solidFill>
-              </a:rPr>
-              <a:t>curvilinear relationship between the temperature and the consumption</a:t>
-            </a:r>
+              <a:t>Polynomial transformation</a:t>
+            </a:r>
+            <a:endParaRPr lang="en-US" sz="2000" dirty="0">
+              <a:solidFill>
+                <a:schemeClr val="accent2">
+                  <a:lumMod val="50000"/>
+                </a:schemeClr>
+              </a:solidFill>
+            </a:endParaRPr>
           </a:p>
           <a:p>
             <a:pPr lvl="1"/>
@@ -10499,7 +10476,7 @@
                   </a:schemeClr>
                 </a:solidFill>
               </a:rPr>
-              <a:t>Standard scaler</a:t>
+              <a:t>Robust scaler</a:t>
             </a:r>
             <a:endParaRPr lang="en-IL" sz="2000" b="1" dirty="0">
               <a:solidFill>
